--- a/res/ImageFactory.pptx
+++ b/res/ImageFactory.pptx
@@ -6,6 +6,7 @@
   </p:sldMasterIdLst>
   <p:sldIdLst>
     <p:sldId id="256" r:id="rId2"/>
+    <p:sldId id="257" r:id="rId3"/>
   </p:sldIdLst>
   <p:sldSz cx="12192000" cy="6858000"/>
   <p:notesSz cx="6858000" cy="9144000"/>
@@ -259,7 +260,7 @@
           <a:p>
             <a:fld id="{1E253523-4079-4E12-A6F2-4B3130B342C7}" type="datetimeFigureOut">
               <a:rPr lang="ko-KR" altLang="en-US" smtClean="0"/>
-              <a:t>2020-09-14</a:t>
+              <a:t>2021-10-21</a:t>
             </a:fld>
             <a:endParaRPr lang="ko-KR" altLang="en-US"/>
           </a:p>
@@ -457,7 +458,7 @@
           <a:p>
             <a:fld id="{1E253523-4079-4E12-A6F2-4B3130B342C7}" type="datetimeFigureOut">
               <a:rPr lang="ko-KR" altLang="en-US" smtClean="0"/>
-              <a:t>2020-09-14</a:t>
+              <a:t>2021-10-21</a:t>
             </a:fld>
             <a:endParaRPr lang="ko-KR" altLang="en-US"/>
           </a:p>
@@ -665,7 +666,7 @@
           <a:p>
             <a:fld id="{1E253523-4079-4E12-A6F2-4B3130B342C7}" type="datetimeFigureOut">
               <a:rPr lang="ko-KR" altLang="en-US" smtClean="0"/>
-              <a:t>2020-09-14</a:t>
+              <a:t>2021-10-21</a:t>
             </a:fld>
             <a:endParaRPr lang="ko-KR" altLang="en-US"/>
           </a:p>
@@ -863,7 +864,7 @@
           <a:p>
             <a:fld id="{1E253523-4079-4E12-A6F2-4B3130B342C7}" type="datetimeFigureOut">
               <a:rPr lang="ko-KR" altLang="en-US" smtClean="0"/>
-              <a:t>2020-09-14</a:t>
+              <a:t>2021-10-21</a:t>
             </a:fld>
             <a:endParaRPr lang="ko-KR" altLang="en-US"/>
           </a:p>
@@ -1138,7 +1139,7 @@
           <a:p>
             <a:fld id="{1E253523-4079-4E12-A6F2-4B3130B342C7}" type="datetimeFigureOut">
               <a:rPr lang="ko-KR" altLang="en-US" smtClean="0"/>
-              <a:t>2020-09-14</a:t>
+              <a:t>2021-10-21</a:t>
             </a:fld>
             <a:endParaRPr lang="ko-KR" altLang="en-US"/>
           </a:p>
@@ -1403,7 +1404,7 @@
           <a:p>
             <a:fld id="{1E253523-4079-4E12-A6F2-4B3130B342C7}" type="datetimeFigureOut">
               <a:rPr lang="ko-KR" altLang="en-US" smtClean="0"/>
-              <a:t>2020-09-14</a:t>
+              <a:t>2021-10-21</a:t>
             </a:fld>
             <a:endParaRPr lang="ko-KR" altLang="en-US"/>
           </a:p>
@@ -1815,7 +1816,7 @@
           <a:p>
             <a:fld id="{1E253523-4079-4E12-A6F2-4B3130B342C7}" type="datetimeFigureOut">
               <a:rPr lang="ko-KR" altLang="en-US" smtClean="0"/>
-              <a:t>2020-09-14</a:t>
+              <a:t>2021-10-21</a:t>
             </a:fld>
             <a:endParaRPr lang="ko-KR" altLang="en-US"/>
           </a:p>
@@ -1956,7 +1957,7 @@
           <a:p>
             <a:fld id="{1E253523-4079-4E12-A6F2-4B3130B342C7}" type="datetimeFigureOut">
               <a:rPr lang="ko-KR" altLang="en-US" smtClean="0"/>
-              <a:t>2020-09-14</a:t>
+              <a:t>2021-10-21</a:t>
             </a:fld>
             <a:endParaRPr lang="ko-KR" altLang="en-US"/>
           </a:p>
@@ -2069,7 +2070,7 @@
           <a:p>
             <a:fld id="{1E253523-4079-4E12-A6F2-4B3130B342C7}" type="datetimeFigureOut">
               <a:rPr lang="ko-KR" altLang="en-US" smtClean="0"/>
-              <a:t>2020-09-14</a:t>
+              <a:t>2021-10-21</a:t>
             </a:fld>
             <a:endParaRPr lang="ko-KR" altLang="en-US"/>
           </a:p>
@@ -2380,7 +2381,7 @@
           <a:p>
             <a:fld id="{1E253523-4079-4E12-A6F2-4B3130B342C7}" type="datetimeFigureOut">
               <a:rPr lang="ko-KR" altLang="en-US" smtClean="0"/>
-              <a:t>2020-09-14</a:t>
+              <a:t>2021-10-21</a:t>
             </a:fld>
             <a:endParaRPr lang="ko-KR" altLang="en-US"/>
           </a:p>
@@ -2668,7 +2669,7 @@
           <a:p>
             <a:fld id="{1E253523-4079-4E12-A6F2-4B3130B342C7}" type="datetimeFigureOut">
               <a:rPr lang="ko-KR" altLang="en-US" smtClean="0"/>
-              <a:t>2020-09-14</a:t>
+              <a:t>2021-10-21</a:t>
             </a:fld>
             <a:endParaRPr lang="ko-KR" altLang="en-US"/>
           </a:p>
@@ -2909,7 +2910,7 @@
           <a:p>
             <a:fld id="{1E253523-4079-4E12-A6F2-4B3130B342C7}" type="datetimeFigureOut">
               <a:rPr lang="ko-KR" altLang="en-US" smtClean="0"/>
-              <a:t>2020-09-14</a:t>
+              <a:t>2021-10-21</a:t>
             </a:fld>
             <a:endParaRPr lang="ko-KR" altLang="en-US"/>
           </a:p>
@@ -6910,6 +6911,139 @@
 </p:sld>
 </file>
 
+<file path=ppt/slides/slide2.xml><?xml version="1.0" encoding="utf-8"?>
+<p:sld xmlns:a="http://schemas.openxmlformats.org/drawingml/2006/main" xmlns:r="http://schemas.openxmlformats.org/officeDocument/2006/relationships" xmlns:p="http://schemas.openxmlformats.org/presentationml/2006/main">
+  <p:cSld>
+    <p:spTree>
+      <p:nvGrpSpPr>
+        <p:cNvPr id="1" name=""/>
+        <p:cNvGrpSpPr/>
+        <p:nvPr/>
+      </p:nvGrpSpPr>
+      <p:grpSpPr>
+        <a:xfrm>
+          <a:off x="0" y="0"/>
+          <a:ext cx="0" cy="0"/>
+          <a:chOff x="0" y="0"/>
+          <a:chExt cx="0" cy="0"/>
+        </a:xfrm>
+      </p:grpSpPr>
+      <p:grpSp>
+        <p:nvGrpSpPr>
+          <p:cNvPr id="7" name="그룹 6">
+            <a:extLst>
+              <a:ext uri="{FF2B5EF4-FFF2-40B4-BE49-F238E27FC236}">
+                <a16:creationId xmlns:a16="http://schemas.microsoft.com/office/drawing/2014/main" id="{4A48CFDD-7A33-48AA-AE79-6AD31EFD2401}"/>
+              </a:ext>
+            </a:extLst>
+          </p:cNvPr>
+          <p:cNvGrpSpPr/>
+          <p:nvPr/>
+        </p:nvGrpSpPr>
+        <p:grpSpPr>
+          <a:xfrm>
+            <a:off x="2341830" y="1856714"/>
+            <a:ext cx="6050732" cy="2438400"/>
+            <a:chOff x="2341830" y="1856714"/>
+            <a:chExt cx="6050732" cy="2438400"/>
+          </a:xfrm>
+        </p:grpSpPr>
+        <p:pic>
+          <p:nvPicPr>
+            <p:cNvPr id="5" name="그림 4">
+              <a:extLst>
+                <a:ext uri="{FF2B5EF4-FFF2-40B4-BE49-F238E27FC236}">
+                  <a16:creationId xmlns:a16="http://schemas.microsoft.com/office/drawing/2014/main" id="{3769766B-1231-4466-A64A-A140BF3CD00C}"/>
+                </a:ext>
+              </a:extLst>
+            </p:cNvPr>
+            <p:cNvPicPr>
+              <a:picLocks noChangeAspect="1"/>
+            </p:cNvPicPr>
+            <p:nvPr/>
+          </p:nvPicPr>
+          <p:blipFill>
+            <a:blip r:embed="rId2">
+              <a:extLst>
+                <a:ext uri="{28A0092B-C50C-407E-A947-70E740481C1C}">
+                  <a14:useLocalDpi xmlns:a14="http://schemas.microsoft.com/office/drawing/2010/main" val="0"/>
+                </a:ext>
+              </a:extLst>
+            </a:blip>
+            <a:stretch>
+              <a:fillRect/>
+            </a:stretch>
+          </p:blipFill>
+          <p:spPr>
+            <a:xfrm>
+              <a:off x="2341830" y="1856714"/>
+              <a:ext cx="2438400" cy="2438400"/>
+            </a:xfrm>
+            <a:prstGeom prst="rect">
+              <a:avLst/>
+            </a:prstGeom>
+          </p:spPr>
+        </p:pic>
+        <p:sp>
+          <p:nvSpPr>
+            <p:cNvPr id="6" name="TextBox 5">
+              <a:extLst>
+                <a:ext uri="{FF2B5EF4-FFF2-40B4-BE49-F238E27FC236}">
+                  <a16:creationId xmlns:a16="http://schemas.microsoft.com/office/drawing/2014/main" id="{E56BF91A-50EA-4400-9482-FC31FEDACE18}"/>
+                </a:ext>
+              </a:extLst>
+            </p:cNvPr>
+            <p:cNvSpPr txBox="1"/>
+            <p:nvPr/>
+          </p:nvSpPr>
+          <p:spPr>
+            <a:xfrm>
+              <a:off x="4526731" y="2967273"/>
+              <a:ext cx="3865831" cy="1107996"/>
+            </a:xfrm>
+            <a:prstGeom prst="rect">
+              <a:avLst/>
+            </a:prstGeom>
+            <a:noFill/>
+          </p:spPr>
+          <p:txBody>
+            <a:bodyPr wrap="square" rtlCol="0">
+              <a:spAutoFit/>
+            </a:bodyPr>
+            <a:lstStyle/>
+            <a:p>
+              <a:r>
+                <a:rPr lang="en-US" altLang="ko-KR" sz="6600" b="1" dirty="0" err="1">
+                  <a:solidFill>
+                    <a:srgbClr val="A48160"/>
+                  </a:solidFill>
+                  <a:latin typeface="Algerian" panose="04020705040A02060702" pitchFamily="82" charset="0"/>
+                </a:rPr>
+                <a:t>Koconut</a:t>
+              </a:r>
+              <a:endParaRPr lang="ko-KR" altLang="en-US" sz="6600" b="1" dirty="0">
+                <a:solidFill>
+                  <a:srgbClr val="A48160"/>
+                </a:solidFill>
+                <a:latin typeface="Algerian" panose="04020705040A02060702" pitchFamily="82" charset="0"/>
+              </a:endParaRPr>
+            </a:p>
+          </p:txBody>
+        </p:sp>
+      </p:grpSp>
+    </p:spTree>
+    <p:extLst>
+      <p:ext uri="{BB962C8B-B14F-4D97-AF65-F5344CB8AC3E}">
+        <p14:creationId xmlns:p14="http://schemas.microsoft.com/office/powerpoint/2010/main" val="3139805456"/>
+      </p:ext>
+    </p:extLst>
+  </p:cSld>
+  <p:clrMapOvr>
+    <a:masterClrMapping/>
+  </p:clrMapOvr>
+</p:sld>
+</file>
+
 <file path=ppt/theme/theme1.xml><?xml version="1.0" encoding="utf-8"?>
 <a:theme xmlns:a="http://schemas.openxmlformats.org/drawingml/2006/main" name="Office 테마">
   <a:themeElements>
